--- a/WebContent/doc/term04(6.1~6.30)/javara JOB(2차).pptx
+++ b/WebContent/doc/term04(6.1~6.30)/javara JOB(2차).pptx
@@ -5,7 +5,7 @@
     <p:sldMasterId id="2147483648" r:id="rId1"/>
   </p:sldMasterIdLst>
   <p:notesMasterIdLst>
-    <p:notesMasterId r:id="rId18"/>
+    <p:notesMasterId r:id="rId19"/>
   </p:notesMasterIdLst>
   <p:sldIdLst>
     <p:sldId id="256" r:id="rId2"/>
@@ -21,9 +21,10 @@
     <p:sldId id="292" r:id="rId12"/>
     <p:sldId id="294" r:id="rId13"/>
     <p:sldId id="297" r:id="rId14"/>
-    <p:sldId id="270" r:id="rId15"/>
-    <p:sldId id="296" r:id="rId16"/>
-    <p:sldId id="282" r:id="rId17"/>
+    <p:sldId id="299" r:id="rId15"/>
+    <p:sldId id="270" r:id="rId16"/>
+    <p:sldId id="296" r:id="rId17"/>
+    <p:sldId id="282" r:id="rId18"/>
   </p:sldIdLst>
   <p:sldSz cx="13004800" cy="9753600"/>
   <p:notesSz cx="6858000" cy="9144000"/>
@@ -5387,8 +5388,8 @@
         </p:nvSpPr>
         <p:spPr>
           <a:xfrm>
-            <a:off x="10754230" y="8576471"/>
-            <a:ext cx="1897955" cy="656590"/>
+            <a:off x="10528762" y="8576471"/>
+            <a:ext cx="2154436" cy="656590"/>
           </a:xfrm>
           <a:prstGeom prst="rect">
             <a:avLst/>
@@ -5422,7 +5423,7 @@
             </a:r>
             <a:r>
               <a:rPr lang="en-US" altLang="ko-KR" dirty="0"/>
-              <a:t>6.9</a:t>
+              <a:t>6.16</a:t>
             </a:r>
             <a:endParaRPr dirty="0"/>
           </a:p>
@@ -10843,6 +10844,435 @@
       </p:grpSpPr>
       <p:sp>
         <p:nvSpPr>
+          <p:cNvPr id="4" name="Shape 181">
+            <a:extLst>
+              <a:ext uri="{FF2B5EF4-FFF2-40B4-BE49-F238E27FC236}">
+                <a16:creationId xmlns:a16="http://schemas.microsoft.com/office/drawing/2014/main" id="{AA9C9226-0AAE-4561-A884-AC5340926716}"/>
+              </a:ext>
+            </a:extLst>
+          </p:cNvPr>
+          <p:cNvSpPr txBox="1">
+            <a:spLocks/>
+          </p:cNvSpPr>
+          <p:nvPr/>
+        </p:nvSpPr>
+        <p:spPr>
+          <a:xfrm>
+            <a:off x="423122" y="384308"/>
+            <a:ext cx="12158556" cy="1019039"/>
+          </a:xfrm>
+          <a:prstGeom prst="rect">
+            <a:avLst/>
+          </a:prstGeom>
+          <a:ln w="12700">
+            <a:miter lim="400000"/>
+          </a:ln>
+          <a:extLst>
+            <a:ext uri="{C572A759-6A51-4108-AA02-DFA0A04FC94B}">
+              <ma14:wrappingTextBoxFlag xmlns="" xmlns:ma14="http://schemas.microsoft.com/office/mac/drawingml/2011/main" val="1"/>
+            </a:ext>
+          </a:extLst>
+        </p:spPr>
+        <p:txBody>
+          <a:bodyPr lIns="50800" tIns="50800" rIns="50800" bIns="50800" anchor="ctr">
+            <a:normAutofit/>
+          </a:bodyPr>
+          <a:lstStyle>
+            <a:lvl1pPr marL="0" marR="0" indent="0" algn="l" defTabSz="584200" latinLnBrk="0">
+              <a:lnSpc>
+                <a:spcPct val="60000"/>
+              </a:lnSpc>
+              <a:spcBef>
+                <a:spcPts val="3200"/>
+              </a:spcBef>
+              <a:spcAft>
+                <a:spcPts val="0"/>
+              </a:spcAft>
+              <a:buClrTx/>
+              <a:buSzTx/>
+              <a:buFontTx/>
+              <a:buNone/>
+              <a:tabLst/>
+              <a:defRPr sz="7000" b="0" i="0" u="none" strike="noStrike" cap="none" spc="0" baseline="0">
+                <a:ln>
+                  <a:noFill/>
+                </a:ln>
+                <a:solidFill>
+                  <a:srgbClr val="FFFFFF"/>
+                </a:solidFill>
+                <a:uFillTx/>
+                <a:latin typeface="Helvetica Neue"/>
+                <a:ea typeface="Helvetica Neue"/>
+                <a:cs typeface="Helvetica Neue"/>
+                <a:sym typeface="Helvetica Neue"/>
+              </a:defRPr>
+            </a:lvl1pPr>
+            <a:lvl2pPr marL="0" marR="0" indent="228600" algn="l" defTabSz="584200" latinLnBrk="0">
+              <a:lnSpc>
+                <a:spcPct val="90000"/>
+              </a:lnSpc>
+              <a:spcBef>
+                <a:spcPts val="0"/>
+              </a:spcBef>
+              <a:spcAft>
+                <a:spcPts val="0"/>
+              </a:spcAft>
+              <a:buClrTx/>
+              <a:buSzTx/>
+              <a:buFontTx/>
+              <a:buNone/>
+              <a:tabLst/>
+              <a:defRPr sz="7200" b="0" i="0" u="none" strike="noStrike" cap="none" spc="0" baseline="0">
+                <a:ln>
+                  <a:noFill/>
+                </a:ln>
+                <a:solidFill>
+                  <a:srgbClr val="5C88A5"/>
+                </a:solidFill>
+                <a:uFillTx/>
+                <a:latin typeface="+mn-lt"/>
+                <a:ea typeface="+mn-ea"/>
+                <a:cs typeface="+mn-cs"/>
+                <a:sym typeface="Helvetica Neue Light"/>
+              </a:defRPr>
+            </a:lvl2pPr>
+            <a:lvl3pPr marL="0" marR="0" indent="457200" algn="l" defTabSz="584200" latinLnBrk="0">
+              <a:lnSpc>
+                <a:spcPct val="90000"/>
+              </a:lnSpc>
+              <a:spcBef>
+                <a:spcPts val="0"/>
+              </a:spcBef>
+              <a:spcAft>
+                <a:spcPts val="0"/>
+              </a:spcAft>
+              <a:buClrTx/>
+              <a:buSzTx/>
+              <a:buFontTx/>
+              <a:buNone/>
+              <a:tabLst/>
+              <a:defRPr sz="7200" b="0" i="0" u="none" strike="noStrike" cap="none" spc="0" baseline="0">
+                <a:ln>
+                  <a:noFill/>
+                </a:ln>
+                <a:solidFill>
+                  <a:srgbClr val="5C88A5"/>
+                </a:solidFill>
+                <a:uFillTx/>
+                <a:latin typeface="+mn-lt"/>
+                <a:ea typeface="+mn-ea"/>
+                <a:cs typeface="+mn-cs"/>
+                <a:sym typeface="Helvetica Neue Light"/>
+              </a:defRPr>
+            </a:lvl3pPr>
+            <a:lvl4pPr marL="0" marR="0" indent="685800" algn="l" defTabSz="584200" latinLnBrk="0">
+              <a:lnSpc>
+                <a:spcPct val="90000"/>
+              </a:lnSpc>
+              <a:spcBef>
+                <a:spcPts val="0"/>
+              </a:spcBef>
+              <a:spcAft>
+                <a:spcPts val="0"/>
+              </a:spcAft>
+              <a:buClrTx/>
+              <a:buSzTx/>
+              <a:buFontTx/>
+              <a:buNone/>
+              <a:tabLst/>
+              <a:defRPr sz="7200" b="0" i="0" u="none" strike="noStrike" cap="none" spc="0" baseline="0">
+                <a:ln>
+                  <a:noFill/>
+                </a:ln>
+                <a:solidFill>
+                  <a:srgbClr val="5C88A5"/>
+                </a:solidFill>
+                <a:uFillTx/>
+                <a:latin typeface="+mn-lt"/>
+                <a:ea typeface="+mn-ea"/>
+                <a:cs typeface="+mn-cs"/>
+                <a:sym typeface="Helvetica Neue Light"/>
+              </a:defRPr>
+            </a:lvl4pPr>
+            <a:lvl5pPr marL="0" marR="0" indent="914400" algn="l" defTabSz="584200" latinLnBrk="0">
+              <a:lnSpc>
+                <a:spcPct val="90000"/>
+              </a:lnSpc>
+              <a:spcBef>
+                <a:spcPts val="0"/>
+              </a:spcBef>
+              <a:spcAft>
+                <a:spcPts val="0"/>
+              </a:spcAft>
+              <a:buClrTx/>
+              <a:buSzTx/>
+              <a:buFontTx/>
+              <a:buNone/>
+              <a:tabLst/>
+              <a:defRPr sz="7200" b="0" i="0" u="none" strike="noStrike" cap="none" spc="0" baseline="0">
+                <a:ln>
+                  <a:noFill/>
+                </a:ln>
+                <a:solidFill>
+                  <a:srgbClr val="5C88A5"/>
+                </a:solidFill>
+                <a:uFillTx/>
+                <a:latin typeface="+mn-lt"/>
+                <a:ea typeface="+mn-ea"/>
+                <a:cs typeface="+mn-cs"/>
+                <a:sym typeface="Helvetica Neue Light"/>
+              </a:defRPr>
+            </a:lvl5pPr>
+            <a:lvl6pPr marL="0" marR="0" indent="1143000" algn="l" defTabSz="584200" latinLnBrk="0">
+              <a:lnSpc>
+                <a:spcPct val="90000"/>
+              </a:lnSpc>
+              <a:spcBef>
+                <a:spcPts val="0"/>
+              </a:spcBef>
+              <a:spcAft>
+                <a:spcPts val="0"/>
+              </a:spcAft>
+              <a:buClrTx/>
+              <a:buSzTx/>
+              <a:buFontTx/>
+              <a:buNone/>
+              <a:tabLst/>
+              <a:defRPr sz="7200" b="0" i="0" u="none" strike="noStrike" cap="none" spc="0" baseline="0">
+                <a:ln>
+                  <a:noFill/>
+                </a:ln>
+                <a:solidFill>
+                  <a:srgbClr val="5C88A5"/>
+                </a:solidFill>
+                <a:uFillTx/>
+                <a:latin typeface="+mn-lt"/>
+                <a:ea typeface="+mn-ea"/>
+                <a:cs typeface="+mn-cs"/>
+                <a:sym typeface="Helvetica Neue Light"/>
+              </a:defRPr>
+            </a:lvl6pPr>
+            <a:lvl7pPr marL="0" marR="0" indent="1371600" algn="l" defTabSz="584200" latinLnBrk="0">
+              <a:lnSpc>
+                <a:spcPct val="90000"/>
+              </a:lnSpc>
+              <a:spcBef>
+                <a:spcPts val="0"/>
+              </a:spcBef>
+              <a:spcAft>
+                <a:spcPts val="0"/>
+              </a:spcAft>
+              <a:buClrTx/>
+              <a:buSzTx/>
+              <a:buFontTx/>
+              <a:buNone/>
+              <a:tabLst/>
+              <a:defRPr sz="7200" b="0" i="0" u="none" strike="noStrike" cap="none" spc="0" baseline="0">
+                <a:ln>
+                  <a:noFill/>
+                </a:ln>
+                <a:solidFill>
+                  <a:srgbClr val="5C88A5"/>
+                </a:solidFill>
+                <a:uFillTx/>
+                <a:latin typeface="+mn-lt"/>
+                <a:ea typeface="+mn-ea"/>
+                <a:cs typeface="+mn-cs"/>
+                <a:sym typeface="Helvetica Neue Light"/>
+              </a:defRPr>
+            </a:lvl7pPr>
+            <a:lvl8pPr marL="0" marR="0" indent="1600200" algn="l" defTabSz="584200" latinLnBrk="0">
+              <a:lnSpc>
+                <a:spcPct val="90000"/>
+              </a:lnSpc>
+              <a:spcBef>
+                <a:spcPts val="0"/>
+              </a:spcBef>
+              <a:spcAft>
+                <a:spcPts val="0"/>
+              </a:spcAft>
+              <a:buClrTx/>
+              <a:buSzTx/>
+              <a:buFontTx/>
+              <a:buNone/>
+              <a:tabLst/>
+              <a:defRPr sz="7200" b="0" i="0" u="none" strike="noStrike" cap="none" spc="0" baseline="0">
+                <a:ln>
+                  <a:noFill/>
+                </a:ln>
+                <a:solidFill>
+                  <a:srgbClr val="5C88A5"/>
+                </a:solidFill>
+                <a:uFillTx/>
+                <a:latin typeface="+mn-lt"/>
+                <a:ea typeface="+mn-ea"/>
+                <a:cs typeface="+mn-cs"/>
+                <a:sym typeface="Helvetica Neue Light"/>
+              </a:defRPr>
+            </a:lvl8pPr>
+            <a:lvl9pPr marL="0" marR="0" indent="1828800" algn="l" defTabSz="584200" latinLnBrk="0">
+              <a:lnSpc>
+                <a:spcPct val="90000"/>
+              </a:lnSpc>
+              <a:spcBef>
+                <a:spcPts val="0"/>
+              </a:spcBef>
+              <a:spcAft>
+                <a:spcPts val="0"/>
+              </a:spcAft>
+              <a:buClrTx/>
+              <a:buSzTx/>
+              <a:buFontTx/>
+              <a:buNone/>
+              <a:tabLst/>
+              <a:defRPr sz="7200" b="0" i="0" u="none" strike="noStrike" cap="none" spc="0" baseline="0">
+                <a:ln>
+                  <a:noFill/>
+                </a:ln>
+                <a:solidFill>
+                  <a:srgbClr val="5C88A5"/>
+                </a:solidFill>
+                <a:uFillTx/>
+                <a:latin typeface="+mn-lt"/>
+                <a:ea typeface="+mn-ea"/>
+                <a:cs typeface="+mn-cs"/>
+                <a:sym typeface="Helvetica Neue Light"/>
+              </a:defRPr>
+            </a:lvl9pPr>
+          </a:lstStyle>
+          <a:p>
+            <a:pPr hangingPunct="1"/>
+            <a:r>
+              <a:rPr lang="ko-KR" altLang="en-US" b="1" dirty="0">
+                <a:latin typeface="HY헤드라인M" panose="02030600000101010101" pitchFamily="18" charset="-127"/>
+                <a:ea typeface="HY헤드라인M" panose="02030600000101010101" pitchFamily="18" charset="-127"/>
+              </a:rPr>
+              <a:t>요구 사항</a:t>
+            </a:r>
+          </a:p>
+        </p:txBody>
+      </p:sp>
+      <p:sp>
+        <p:nvSpPr>
+          <p:cNvPr id="5" name="Shape 212">
+            <a:extLst>
+              <a:ext uri="{FF2B5EF4-FFF2-40B4-BE49-F238E27FC236}">
+                <a16:creationId xmlns:a16="http://schemas.microsoft.com/office/drawing/2014/main" id="{F808A79E-3516-4E19-A4F5-A8FF36128B6C}"/>
+              </a:ext>
+            </a:extLst>
+          </p:cNvPr>
+          <p:cNvSpPr/>
+          <p:nvPr/>
+        </p:nvSpPr>
+        <p:spPr>
+          <a:xfrm>
+            <a:off x="10129262" y="792002"/>
+            <a:ext cx="2410916" cy="656590"/>
+          </a:xfrm>
+          <a:prstGeom prst="rect">
+            <a:avLst/>
+          </a:prstGeom>
+          <a:ln w="12700">
+            <a:miter lim="400000"/>
+          </a:ln>
+          <a:extLst>
+            <a:ext uri="{C572A759-6A51-4108-AA02-DFA0A04FC94B}">
+              <ma14:wrappingTextBoxFlag xmlns="" xmlns:ma14="http://schemas.microsoft.com/office/mac/drawingml/2011/main" val="1"/>
+            </a:ext>
+          </a:extLst>
+        </p:spPr>
+        <p:txBody>
+          <a:bodyPr wrap="none" lIns="50800" tIns="50800" rIns="50800" bIns="50800" anchor="ctr">
+            <a:spAutoFit/>
+          </a:bodyPr>
+          <a:lstStyle/>
+          <a:p>
+            <a:r>
+              <a:rPr lang="ko-KR" altLang="en-US">
+                <a:latin typeface="HY견고딕" panose="02030600000101010101" pitchFamily="18" charset="-127"/>
+                <a:ea typeface="HY견고딕" panose="02030600000101010101" pitchFamily="18" charset="-127"/>
+              </a:rPr>
+              <a:t>유스케이스</a:t>
+            </a:r>
+            <a:endParaRPr dirty="0">
+              <a:latin typeface="HY견고딕" panose="02030600000101010101" pitchFamily="18" charset="-127"/>
+              <a:ea typeface="HY견고딕" panose="02030600000101010101" pitchFamily="18" charset="-127"/>
+            </a:endParaRPr>
+          </a:p>
+        </p:txBody>
+      </p:sp>
+      <p:pic>
+        <p:nvPicPr>
+          <p:cNvPr id="6" name="그림 5">
+            <a:extLst>
+              <a:ext uri="{FF2B5EF4-FFF2-40B4-BE49-F238E27FC236}">
+                <a16:creationId xmlns:a16="http://schemas.microsoft.com/office/drawing/2014/main" id="{3B9A0693-549D-446F-87C1-2351E7DF3B20}"/>
+              </a:ext>
+            </a:extLst>
+          </p:cNvPr>
+          <p:cNvPicPr>
+            <a:picLocks noChangeAspect="1"/>
+          </p:cNvPicPr>
+          <p:nvPr/>
+        </p:nvPicPr>
+        <p:blipFill>
+          <a:blip r:embed="rId2">
+            <a:extLst>
+              <a:ext uri="{28A0092B-C50C-407E-A947-70E740481C1C}">
+                <a14:useLocalDpi xmlns:a14="http://schemas.microsoft.com/office/drawing/2010/main" val="0"/>
+              </a:ext>
+            </a:extLst>
+          </a:blip>
+          <a:stretch>
+            <a:fillRect/>
+          </a:stretch>
+        </p:blipFill>
+        <p:spPr>
+          <a:xfrm>
+            <a:off x="3730032" y="1648203"/>
+            <a:ext cx="5544737" cy="7520849"/>
+          </a:xfrm>
+          <a:prstGeom prst="rect">
+            <a:avLst/>
+          </a:prstGeom>
+          <a:solidFill>
+            <a:srgbClr val="FFFFFF"/>
+          </a:solidFill>
+        </p:spPr>
+      </p:pic>
+    </p:spTree>
+    <p:extLst>
+      <p:ext uri="{BB962C8B-B14F-4D97-AF65-F5344CB8AC3E}">
+        <p14:creationId xmlns:p14="http://schemas.microsoft.com/office/powerpoint/2010/main" val="1415609587"/>
+      </p:ext>
+    </p:extLst>
+  </p:cSld>
+  <p:clrMapOvr>
+    <a:masterClrMapping/>
+  </p:clrMapOvr>
+  <p:transition spd="med"/>
+</p:sld>
+</file>
+
+<file path=ppt/slides/slide15.xml><?xml version="1.0" encoding="utf-8"?>
+<p:sld xmlns:a="http://schemas.openxmlformats.org/drawingml/2006/main" xmlns:r="http://schemas.openxmlformats.org/officeDocument/2006/relationships" xmlns:p="http://schemas.openxmlformats.org/presentationml/2006/main">
+  <p:cSld>
+    <p:spTree>
+      <p:nvGrpSpPr>
+        <p:cNvPr id="1" name=""/>
+        <p:cNvGrpSpPr/>
+        <p:nvPr/>
+      </p:nvGrpSpPr>
+      <p:grpSpPr>
+        <a:xfrm>
+          <a:off x="0" y="0"/>
+          <a:ext cx="0" cy="0"/>
+          <a:chOff x="0" y="0"/>
+          <a:chExt cx="0" cy="0"/>
+        </a:xfrm>
+      </p:grpSpPr>
+      <p:sp>
+        <p:nvSpPr>
           <p:cNvPr id="265" name="Shape 265"/>
           <p:cNvSpPr>
             <a:spLocks noGrp="1"/>
@@ -10998,7 +11428,7 @@
 </p:sld>
 </file>
 
-<file path=ppt/slides/slide15.xml><?xml version="1.0" encoding="utf-8"?>
+<file path=ppt/slides/slide16.xml><?xml version="1.0" encoding="utf-8"?>
 <p:sld xmlns:a="http://schemas.openxmlformats.org/drawingml/2006/main" xmlns:r="http://schemas.openxmlformats.org/officeDocument/2006/relationships" xmlns:p="http://schemas.openxmlformats.org/presentationml/2006/main">
   <p:cSld>
     <p:spTree>
@@ -26022,7 +26452,7 @@
 </p:sld>
 </file>
 
-<file path=ppt/slides/slide16.xml><?xml version="1.0" encoding="utf-8"?>
+<file path=ppt/slides/slide17.xml><?xml version="1.0" encoding="utf-8"?>
 <p:sld xmlns:a="http://schemas.openxmlformats.org/drawingml/2006/main" xmlns:r="http://schemas.openxmlformats.org/officeDocument/2006/relationships" xmlns:p="http://schemas.openxmlformats.org/presentationml/2006/main">
   <p:cSld>
     <p:spTree>
